--- a/images/theory_analysis/Consistent_Hashing/Consistent_Hashing.pptx
+++ b/images/theory_analysis/Consistent_Hashing/Consistent_Hashing.pptx
@@ -219,7 +219,7 @@
           <a:p>
             <a:fld id="{6CD5550B-26C4-49A9-A5BA-636EF7BE6CE9}" type="datetimeFigureOut">
               <a:rPr lang="ko-KR" altLang="en-US" smtClean="0"/>
-              <a:t>2021-06-12</a:t>
+              <a:t>2021-06-16</a:t>
             </a:fld>
             <a:endParaRPr lang="ko-KR" altLang="en-US"/>
           </a:p>
@@ -665,7 +665,7 @@
           <a:p>
             <a:fld id="{FB30EDBD-1C2D-4C1E-B459-B60219FAB484}" type="datetimeFigureOut">
               <a:rPr lang="ko-KR" altLang="en-US" smtClean="0"/>
-              <a:t>2021-06-12</a:t>
+              <a:t>2021-06-16</a:t>
             </a:fld>
             <a:endParaRPr lang="ko-KR" altLang="en-US"/>
           </a:p>
@@ -828,7 +828,7 @@
           <a:p>
             <a:fld id="{FB30EDBD-1C2D-4C1E-B459-B60219FAB484}" type="datetimeFigureOut">
               <a:rPr lang="ko-KR" altLang="en-US" smtClean="0"/>
-              <a:t>2021-06-12</a:t>
+              <a:t>2021-06-16</a:t>
             </a:fld>
             <a:endParaRPr lang="ko-KR" altLang="en-US"/>
           </a:p>
@@ -1001,7 +1001,7 @@
           <a:p>
             <a:fld id="{FB30EDBD-1C2D-4C1E-B459-B60219FAB484}" type="datetimeFigureOut">
               <a:rPr lang="ko-KR" altLang="en-US" smtClean="0"/>
-              <a:t>2021-06-12</a:t>
+              <a:t>2021-06-16</a:t>
             </a:fld>
             <a:endParaRPr lang="ko-KR" altLang="en-US"/>
           </a:p>
@@ -1164,7 +1164,7 @@
           <a:p>
             <a:fld id="{FB30EDBD-1C2D-4C1E-B459-B60219FAB484}" type="datetimeFigureOut">
               <a:rPr lang="ko-KR" altLang="en-US" smtClean="0"/>
-              <a:t>2021-06-12</a:t>
+              <a:t>2021-06-16</a:t>
             </a:fld>
             <a:endParaRPr lang="ko-KR" altLang="en-US"/>
           </a:p>
@@ -1404,7 +1404,7 @@
           <a:p>
             <a:fld id="{FB30EDBD-1C2D-4C1E-B459-B60219FAB484}" type="datetimeFigureOut">
               <a:rPr lang="ko-KR" altLang="en-US" smtClean="0"/>
-              <a:t>2021-06-12</a:t>
+              <a:t>2021-06-16</a:t>
             </a:fld>
             <a:endParaRPr lang="ko-KR" altLang="en-US"/>
           </a:p>
@@ -1684,7 +1684,7 @@
           <a:p>
             <a:fld id="{FB30EDBD-1C2D-4C1E-B459-B60219FAB484}" type="datetimeFigureOut">
               <a:rPr lang="ko-KR" altLang="en-US" smtClean="0"/>
-              <a:t>2021-06-12</a:t>
+              <a:t>2021-06-16</a:t>
             </a:fld>
             <a:endParaRPr lang="ko-KR" altLang="en-US"/>
           </a:p>
@@ -2098,7 +2098,7 @@
           <a:p>
             <a:fld id="{FB30EDBD-1C2D-4C1E-B459-B60219FAB484}" type="datetimeFigureOut">
               <a:rPr lang="ko-KR" altLang="en-US" smtClean="0"/>
-              <a:t>2021-06-12</a:t>
+              <a:t>2021-06-16</a:t>
             </a:fld>
             <a:endParaRPr lang="ko-KR" altLang="en-US"/>
           </a:p>
@@ -2210,7 +2210,7 @@
           <a:p>
             <a:fld id="{FB30EDBD-1C2D-4C1E-B459-B60219FAB484}" type="datetimeFigureOut">
               <a:rPr lang="ko-KR" altLang="en-US" smtClean="0"/>
-              <a:t>2021-06-12</a:t>
+              <a:t>2021-06-16</a:t>
             </a:fld>
             <a:endParaRPr lang="ko-KR" altLang="en-US"/>
           </a:p>
@@ -2300,7 +2300,7 @@
           <a:p>
             <a:fld id="{FB30EDBD-1C2D-4C1E-B459-B60219FAB484}" type="datetimeFigureOut">
               <a:rPr lang="ko-KR" altLang="en-US" smtClean="0"/>
-              <a:t>2021-06-12</a:t>
+              <a:t>2021-06-16</a:t>
             </a:fld>
             <a:endParaRPr lang="ko-KR" altLang="en-US"/>
           </a:p>
@@ -2570,7 +2570,7 @@
           <a:p>
             <a:fld id="{FB30EDBD-1C2D-4C1E-B459-B60219FAB484}" type="datetimeFigureOut">
               <a:rPr lang="ko-KR" altLang="en-US" smtClean="0"/>
-              <a:t>2021-06-12</a:t>
+              <a:t>2021-06-16</a:t>
             </a:fld>
             <a:endParaRPr lang="ko-KR" altLang="en-US"/>
           </a:p>
@@ -2817,7 +2817,7 @@
           <a:p>
             <a:fld id="{FB30EDBD-1C2D-4C1E-B459-B60219FAB484}" type="datetimeFigureOut">
               <a:rPr lang="ko-KR" altLang="en-US" smtClean="0"/>
-              <a:t>2021-06-12</a:t>
+              <a:t>2021-06-16</a:t>
             </a:fld>
             <a:endParaRPr lang="ko-KR" altLang="en-US"/>
           </a:p>
@@ -3023,7 +3023,7 @@
           <a:p>
             <a:fld id="{FB30EDBD-1C2D-4C1E-B459-B60219FAB484}" type="datetimeFigureOut">
               <a:rPr lang="ko-KR" altLang="en-US" smtClean="0"/>
-              <a:t>2021-06-12</a:t>
+              <a:t>2021-06-16</a:t>
             </a:fld>
             <a:endParaRPr lang="ko-KR" altLang="en-US"/>
           </a:p>
@@ -4844,7 +4844,7 @@
         </p:nvSpPr>
         <p:spPr>
           <a:xfrm>
-            <a:off x="2411500" y="2504138"/>
+            <a:off x="1407320" y="2491537"/>
             <a:ext cx="216682" cy="290749"/>
           </a:xfrm>
           <a:prstGeom prst="downArrow">
@@ -6190,19 +6190,132 @@
       </p:sp>
       <p:sp>
         <p:nvSpPr>
-          <p:cNvPr id="106" name="화살표: 아래쪽 105">
-            <a:extLst>
-              <a:ext uri="{FF2B5EF4-FFF2-40B4-BE49-F238E27FC236}">
-                <a16:creationId xmlns:a16="http://schemas.microsoft.com/office/drawing/2014/main" id="{CB254E7D-44DD-4954-AB58-C0AC1A10109A}"/>
-              </a:ext>
-            </a:extLst>
-          </p:cNvPr>
-          <p:cNvSpPr/>
-          <p:nvPr/>
-        </p:nvSpPr>
-        <p:spPr>
-          <a:xfrm>
-            <a:off x="6662239" y="2504138"/>
+          <p:cNvPr id="107" name="사각형: 둥근 모서리 106">
+            <a:extLst>
+              <a:ext uri="{FF2B5EF4-FFF2-40B4-BE49-F238E27FC236}">
+                <a16:creationId xmlns:a16="http://schemas.microsoft.com/office/drawing/2014/main" id="{09A885C6-6B06-4BFB-82DC-C551D4D73E31}"/>
+              </a:ext>
+            </a:extLst>
+          </p:cNvPr>
+          <p:cNvSpPr/>
+          <p:nvPr/>
+        </p:nvSpPr>
+        <p:spPr>
+          <a:xfrm>
+            <a:off x="5397432" y="3880429"/>
+            <a:ext cx="2746296" cy="222870"/>
+          </a:xfrm>
+          <a:prstGeom prst="roundRect">
+            <a:avLst>
+              <a:gd name="adj" fmla="val 15249"/>
+            </a:avLst>
+          </a:prstGeom>
+          <a:noFill/>
+          <a:ln>
+            <a:noFill/>
+          </a:ln>
+        </p:spPr>
+        <p:style>
+          <a:lnRef idx="2">
+            <a:schemeClr val="dk1"/>
+          </a:lnRef>
+          <a:fillRef idx="1">
+            <a:schemeClr val="lt1"/>
+          </a:fillRef>
+          <a:effectRef idx="0">
+            <a:schemeClr val="dk1"/>
+          </a:effectRef>
+          <a:fontRef idx="minor">
+            <a:schemeClr val="dk1"/>
+          </a:fontRef>
+        </p:style>
+        <p:txBody>
+          <a:bodyPr rtlCol="0" anchor="ctr"/>
+          <a:lstStyle/>
+          <a:p>
+            <a:pPr algn="ctr"/>
+            <a:r>
+              <a:rPr lang="en-US" altLang="ko-KR" sz="1200"/>
+              <a:t>Bucket = ConsistentHashing(key, 4)</a:t>
+            </a:r>
+          </a:p>
+        </p:txBody>
+      </p:sp>
+      <p:sp>
+        <p:nvSpPr>
+          <p:cNvPr id="58" name="사각형: 둥근 모서리 57">
+            <a:extLst>
+              <a:ext uri="{FF2B5EF4-FFF2-40B4-BE49-F238E27FC236}">
+                <a16:creationId xmlns:a16="http://schemas.microsoft.com/office/drawing/2014/main" id="{7C96E903-85D3-4F4F-80E7-3231BDF55E3E}"/>
+              </a:ext>
+            </a:extLst>
+          </p:cNvPr>
+          <p:cNvSpPr/>
+          <p:nvPr/>
+        </p:nvSpPr>
+        <p:spPr>
+          <a:xfrm>
+            <a:off x="1362339" y="2521188"/>
+            <a:ext cx="1051488" cy="191921"/>
+          </a:xfrm>
+          <a:prstGeom prst="roundRect">
+            <a:avLst>
+              <a:gd name="adj" fmla="val 15249"/>
+            </a:avLst>
+          </a:prstGeom>
+          <a:noFill/>
+          <a:ln>
+            <a:noFill/>
+          </a:ln>
+        </p:spPr>
+        <p:style>
+          <a:lnRef idx="2">
+            <a:schemeClr val="dk1"/>
+          </a:lnRef>
+          <a:fillRef idx="1">
+            <a:schemeClr val="lt1"/>
+          </a:fillRef>
+          <a:effectRef idx="0">
+            <a:schemeClr val="dk1"/>
+          </a:effectRef>
+          <a:fontRef idx="minor">
+            <a:schemeClr val="dk1"/>
+          </a:fontRef>
+        </p:style>
+        <p:txBody>
+          <a:bodyPr rtlCol="0" anchor="ctr"/>
+          <a:lstStyle/>
+          <a:p>
+            <a:pPr algn="ctr"/>
+            <a:r>
+              <a:rPr lang="en-US" altLang="ko-KR" sz="1100"/>
+              <a:t>Add</a:t>
+            </a:r>
+          </a:p>
+          <a:p>
+            <a:pPr algn="ctr"/>
+            <a:r>
+              <a:rPr lang="en-US" altLang="ko-KR" sz="1100"/>
+              <a:t>Bucket</a:t>
+            </a:r>
+          </a:p>
+        </p:txBody>
+      </p:sp>
+      <p:sp>
+        <p:nvSpPr>
+          <p:cNvPr id="59" name="화살표: 아래쪽 58">
+            <a:extLst>
+              <a:ext uri="{FF2B5EF4-FFF2-40B4-BE49-F238E27FC236}">
+                <a16:creationId xmlns:a16="http://schemas.microsoft.com/office/drawing/2014/main" id="{BB13DF3F-61F8-4FBF-8773-83B2F981C9E7}"/>
+              </a:ext>
+            </a:extLst>
+          </p:cNvPr>
+          <p:cNvSpPr/>
+          <p:nvPr/>
+        </p:nvSpPr>
+        <p:spPr>
+          <a:xfrm rot="10800000">
+            <a:off x="3418007" y="2497024"/>
             <a:ext cx="216682" cy="290749"/>
           </a:xfrm>
           <a:prstGeom prst="downArrow">
@@ -6242,20 +6355,20 @@
       </p:sp>
       <p:sp>
         <p:nvSpPr>
-          <p:cNvPr id="107" name="사각형: 둥근 모서리 106">
-            <a:extLst>
-              <a:ext uri="{FF2B5EF4-FFF2-40B4-BE49-F238E27FC236}">
-                <a16:creationId xmlns:a16="http://schemas.microsoft.com/office/drawing/2014/main" id="{09A885C6-6B06-4BFB-82DC-C551D4D73E31}"/>
-              </a:ext>
-            </a:extLst>
-          </p:cNvPr>
-          <p:cNvSpPr/>
-          <p:nvPr/>
-        </p:nvSpPr>
-        <p:spPr>
-          <a:xfrm>
-            <a:off x="5397432" y="3880429"/>
-            <a:ext cx="2746296" cy="222870"/>
+          <p:cNvPr id="64" name="사각형: 둥근 모서리 63">
+            <a:extLst>
+              <a:ext uri="{FF2B5EF4-FFF2-40B4-BE49-F238E27FC236}">
+                <a16:creationId xmlns:a16="http://schemas.microsoft.com/office/drawing/2014/main" id="{2E0B38A8-29A0-4F2E-BD3D-8030F779CD02}"/>
+              </a:ext>
+            </a:extLst>
+          </p:cNvPr>
+          <p:cNvSpPr/>
+          <p:nvPr/>
+        </p:nvSpPr>
+        <p:spPr>
+          <a:xfrm>
+            <a:off x="2614371" y="2524105"/>
+            <a:ext cx="1051488" cy="191921"/>
           </a:xfrm>
           <a:prstGeom prst="roundRect">
             <a:avLst>
@@ -6287,8 +6400,239 @@
           <a:p>
             <a:pPr algn="ctr"/>
             <a:r>
-              <a:rPr lang="en-US" altLang="ko-KR" sz="1200"/>
-              <a:t>Bucket = ConsistentHashing(key, 4)</a:t>
+              <a:rPr lang="en-US" altLang="ko-KR" sz="1100"/>
+              <a:t>Remove</a:t>
+            </a:r>
+          </a:p>
+          <a:p>
+            <a:pPr algn="ctr"/>
+            <a:r>
+              <a:rPr lang="en-US" altLang="ko-KR" sz="1100"/>
+              <a:t>Bucket</a:t>
+            </a:r>
+          </a:p>
+        </p:txBody>
+      </p:sp>
+      <p:sp>
+        <p:nvSpPr>
+          <p:cNvPr id="67" name="화살표: 아래쪽 66">
+            <a:extLst>
+              <a:ext uri="{FF2B5EF4-FFF2-40B4-BE49-F238E27FC236}">
+                <a16:creationId xmlns:a16="http://schemas.microsoft.com/office/drawing/2014/main" id="{67C41822-3736-4CBF-BBCB-D8DE4D85C193}"/>
+              </a:ext>
+            </a:extLst>
+          </p:cNvPr>
+          <p:cNvSpPr/>
+          <p:nvPr/>
+        </p:nvSpPr>
+        <p:spPr>
+          <a:xfrm>
+            <a:off x="5661977" y="2491537"/>
+            <a:ext cx="216682" cy="290749"/>
+          </a:xfrm>
+          <a:prstGeom prst="downArrow">
+            <a:avLst/>
+          </a:prstGeom>
+          <a:solidFill>
+            <a:schemeClr val="tx1"/>
+          </a:solidFill>
+          <a:ln>
+            <a:noFill/>
+          </a:ln>
+        </p:spPr>
+        <p:style>
+          <a:lnRef idx="2">
+            <a:schemeClr val="accent1">
+              <a:shade val="50000"/>
+            </a:schemeClr>
+          </a:lnRef>
+          <a:fillRef idx="1">
+            <a:schemeClr val="accent1"/>
+          </a:fillRef>
+          <a:effectRef idx="0">
+            <a:schemeClr val="accent1"/>
+          </a:effectRef>
+          <a:fontRef idx="minor">
+            <a:schemeClr val="lt1"/>
+          </a:fontRef>
+        </p:style>
+        <p:txBody>
+          <a:bodyPr rtlCol="0" anchor="ctr"/>
+          <a:lstStyle/>
+          <a:p>
+            <a:pPr algn="ctr"/>
+            <a:endParaRPr lang="ko-KR" altLang="en-US"/>
+          </a:p>
+        </p:txBody>
+      </p:sp>
+      <p:sp>
+        <p:nvSpPr>
+          <p:cNvPr id="71" name="사각형: 둥근 모서리 70">
+            <a:extLst>
+              <a:ext uri="{FF2B5EF4-FFF2-40B4-BE49-F238E27FC236}">
+                <a16:creationId xmlns:a16="http://schemas.microsoft.com/office/drawing/2014/main" id="{C3DE1EBD-2BCE-4E6F-903C-C577059B1F37}"/>
+              </a:ext>
+            </a:extLst>
+          </p:cNvPr>
+          <p:cNvSpPr/>
+          <p:nvPr/>
+        </p:nvSpPr>
+        <p:spPr>
+          <a:xfrm>
+            <a:off x="5616996" y="2521188"/>
+            <a:ext cx="1051488" cy="191921"/>
+          </a:xfrm>
+          <a:prstGeom prst="roundRect">
+            <a:avLst>
+              <a:gd name="adj" fmla="val 15249"/>
+            </a:avLst>
+          </a:prstGeom>
+          <a:noFill/>
+          <a:ln>
+            <a:noFill/>
+          </a:ln>
+        </p:spPr>
+        <p:style>
+          <a:lnRef idx="2">
+            <a:schemeClr val="dk1"/>
+          </a:lnRef>
+          <a:fillRef idx="1">
+            <a:schemeClr val="lt1"/>
+          </a:fillRef>
+          <a:effectRef idx="0">
+            <a:schemeClr val="dk1"/>
+          </a:effectRef>
+          <a:fontRef idx="minor">
+            <a:schemeClr val="dk1"/>
+          </a:fontRef>
+        </p:style>
+        <p:txBody>
+          <a:bodyPr rtlCol="0" anchor="ctr"/>
+          <a:lstStyle/>
+          <a:p>
+            <a:pPr algn="ctr"/>
+            <a:r>
+              <a:rPr lang="en-US" altLang="ko-KR" sz="1100"/>
+              <a:t>Add</a:t>
+            </a:r>
+          </a:p>
+          <a:p>
+            <a:pPr algn="ctr"/>
+            <a:r>
+              <a:rPr lang="en-US" altLang="ko-KR" sz="1100"/>
+              <a:t>Bucket</a:t>
+            </a:r>
+          </a:p>
+        </p:txBody>
+      </p:sp>
+      <p:sp>
+        <p:nvSpPr>
+          <p:cNvPr id="74" name="화살표: 아래쪽 73">
+            <a:extLst>
+              <a:ext uri="{FF2B5EF4-FFF2-40B4-BE49-F238E27FC236}">
+                <a16:creationId xmlns:a16="http://schemas.microsoft.com/office/drawing/2014/main" id="{82E6C14E-F098-4C38-AF6E-543A349A0796}"/>
+              </a:ext>
+            </a:extLst>
+          </p:cNvPr>
+          <p:cNvSpPr/>
+          <p:nvPr/>
+        </p:nvSpPr>
+        <p:spPr>
+          <a:xfrm rot="10800000">
+            <a:off x="7672664" y="2497024"/>
+            <a:ext cx="216682" cy="290749"/>
+          </a:xfrm>
+          <a:prstGeom prst="downArrow">
+            <a:avLst/>
+          </a:prstGeom>
+          <a:solidFill>
+            <a:schemeClr val="tx1"/>
+          </a:solidFill>
+          <a:ln>
+            <a:noFill/>
+          </a:ln>
+        </p:spPr>
+        <p:style>
+          <a:lnRef idx="2">
+            <a:schemeClr val="accent1">
+              <a:shade val="50000"/>
+            </a:schemeClr>
+          </a:lnRef>
+          <a:fillRef idx="1">
+            <a:schemeClr val="accent1"/>
+          </a:fillRef>
+          <a:effectRef idx="0">
+            <a:schemeClr val="accent1"/>
+          </a:effectRef>
+          <a:fontRef idx="minor">
+            <a:schemeClr val="lt1"/>
+          </a:fontRef>
+        </p:style>
+        <p:txBody>
+          <a:bodyPr rtlCol="0" anchor="ctr"/>
+          <a:lstStyle/>
+          <a:p>
+            <a:pPr algn="ctr"/>
+            <a:endParaRPr lang="ko-KR" altLang="en-US"/>
+          </a:p>
+        </p:txBody>
+      </p:sp>
+      <p:sp>
+        <p:nvSpPr>
+          <p:cNvPr id="92" name="사각형: 둥근 모서리 91">
+            <a:extLst>
+              <a:ext uri="{FF2B5EF4-FFF2-40B4-BE49-F238E27FC236}">
+                <a16:creationId xmlns:a16="http://schemas.microsoft.com/office/drawing/2014/main" id="{11CC954B-63DB-4D1D-B34A-FFAF6E14CC07}"/>
+              </a:ext>
+            </a:extLst>
+          </p:cNvPr>
+          <p:cNvSpPr/>
+          <p:nvPr/>
+        </p:nvSpPr>
+        <p:spPr>
+          <a:xfrm>
+            <a:off x="6869028" y="2524105"/>
+            <a:ext cx="1051488" cy="191921"/>
+          </a:xfrm>
+          <a:prstGeom prst="roundRect">
+            <a:avLst>
+              <a:gd name="adj" fmla="val 15249"/>
+            </a:avLst>
+          </a:prstGeom>
+          <a:noFill/>
+          <a:ln>
+            <a:noFill/>
+          </a:ln>
+        </p:spPr>
+        <p:style>
+          <a:lnRef idx="2">
+            <a:schemeClr val="dk1"/>
+          </a:lnRef>
+          <a:fillRef idx="1">
+            <a:schemeClr val="lt1"/>
+          </a:fillRef>
+          <a:effectRef idx="0">
+            <a:schemeClr val="dk1"/>
+          </a:effectRef>
+          <a:fontRef idx="minor">
+            <a:schemeClr val="dk1"/>
+          </a:fontRef>
+        </p:style>
+        <p:txBody>
+          <a:bodyPr rtlCol="0" anchor="ctr"/>
+          <a:lstStyle/>
+          <a:p>
+            <a:pPr algn="ctr"/>
+            <a:r>
+              <a:rPr lang="en-US" altLang="ko-KR" sz="1100"/>
+              <a:t>Remove</a:t>
+            </a:r>
+          </a:p>
+          <a:p>
+            <a:pPr algn="ctr"/>
+            <a:r>
+              <a:rPr lang="en-US" altLang="ko-KR" sz="1100"/>
+              <a:t>Bucket</a:t>
             </a:r>
           </a:p>
         </p:txBody>

--- a/images/theory_analysis/Consistent_Hashing/Consistent_Hashing.pptx
+++ b/images/theory_analysis/Consistent_Hashing/Consistent_Hashing.pptx
@@ -219,7 +219,7 @@
           <a:p>
             <a:fld id="{6CD5550B-26C4-49A9-A5BA-636EF7BE6CE9}" type="datetimeFigureOut">
               <a:rPr lang="ko-KR" altLang="en-US" smtClean="0"/>
-              <a:t>2021-06-16</a:t>
+              <a:t>2021-06-17</a:t>
             </a:fld>
             <a:endParaRPr lang="ko-KR" altLang="en-US"/>
           </a:p>
@@ -665,7 +665,7 @@
           <a:p>
             <a:fld id="{FB30EDBD-1C2D-4C1E-B459-B60219FAB484}" type="datetimeFigureOut">
               <a:rPr lang="ko-KR" altLang="en-US" smtClean="0"/>
-              <a:t>2021-06-16</a:t>
+              <a:t>2021-06-17</a:t>
             </a:fld>
             <a:endParaRPr lang="ko-KR" altLang="en-US"/>
           </a:p>
@@ -828,7 +828,7 @@
           <a:p>
             <a:fld id="{FB30EDBD-1C2D-4C1E-B459-B60219FAB484}" type="datetimeFigureOut">
               <a:rPr lang="ko-KR" altLang="en-US" smtClean="0"/>
-              <a:t>2021-06-16</a:t>
+              <a:t>2021-06-17</a:t>
             </a:fld>
             <a:endParaRPr lang="ko-KR" altLang="en-US"/>
           </a:p>
@@ -1001,7 +1001,7 @@
           <a:p>
             <a:fld id="{FB30EDBD-1C2D-4C1E-B459-B60219FAB484}" type="datetimeFigureOut">
               <a:rPr lang="ko-KR" altLang="en-US" smtClean="0"/>
-              <a:t>2021-06-16</a:t>
+              <a:t>2021-06-17</a:t>
             </a:fld>
             <a:endParaRPr lang="ko-KR" altLang="en-US"/>
           </a:p>
@@ -1164,7 +1164,7 @@
           <a:p>
             <a:fld id="{FB30EDBD-1C2D-4C1E-B459-B60219FAB484}" type="datetimeFigureOut">
               <a:rPr lang="ko-KR" altLang="en-US" smtClean="0"/>
-              <a:t>2021-06-16</a:t>
+              <a:t>2021-06-17</a:t>
             </a:fld>
             <a:endParaRPr lang="ko-KR" altLang="en-US"/>
           </a:p>
@@ -1404,7 +1404,7 @@
           <a:p>
             <a:fld id="{FB30EDBD-1C2D-4C1E-B459-B60219FAB484}" type="datetimeFigureOut">
               <a:rPr lang="ko-KR" altLang="en-US" smtClean="0"/>
-              <a:t>2021-06-16</a:t>
+              <a:t>2021-06-17</a:t>
             </a:fld>
             <a:endParaRPr lang="ko-KR" altLang="en-US"/>
           </a:p>
@@ -1684,7 +1684,7 @@
           <a:p>
             <a:fld id="{FB30EDBD-1C2D-4C1E-B459-B60219FAB484}" type="datetimeFigureOut">
               <a:rPr lang="ko-KR" altLang="en-US" smtClean="0"/>
-              <a:t>2021-06-16</a:t>
+              <a:t>2021-06-17</a:t>
             </a:fld>
             <a:endParaRPr lang="ko-KR" altLang="en-US"/>
           </a:p>
@@ -2098,7 +2098,7 @@
           <a:p>
             <a:fld id="{FB30EDBD-1C2D-4C1E-B459-B60219FAB484}" type="datetimeFigureOut">
               <a:rPr lang="ko-KR" altLang="en-US" smtClean="0"/>
-              <a:t>2021-06-16</a:t>
+              <a:t>2021-06-17</a:t>
             </a:fld>
             <a:endParaRPr lang="ko-KR" altLang="en-US"/>
           </a:p>
@@ -2210,7 +2210,7 @@
           <a:p>
             <a:fld id="{FB30EDBD-1C2D-4C1E-B459-B60219FAB484}" type="datetimeFigureOut">
               <a:rPr lang="ko-KR" altLang="en-US" smtClean="0"/>
-              <a:t>2021-06-16</a:t>
+              <a:t>2021-06-17</a:t>
             </a:fld>
             <a:endParaRPr lang="ko-KR" altLang="en-US"/>
           </a:p>
@@ -2300,7 +2300,7 @@
           <a:p>
             <a:fld id="{FB30EDBD-1C2D-4C1E-B459-B60219FAB484}" type="datetimeFigureOut">
               <a:rPr lang="ko-KR" altLang="en-US" smtClean="0"/>
-              <a:t>2021-06-16</a:t>
+              <a:t>2021-06-17</a:t>
             </a:fld>
             <a:endParaRPr lang="ko-KR" altLang="en-US"/>
           </a:p>
@@ -2570,7 +2570,7 @@
           <a:p>
             <a:fld id="{FB30EDBD-1C2D-4C1E-B459-B60219FAB484}" type="datetimeFigureOut">
               <a:rPr lang="ko-KR" altLang="en-US" smtClean="0"/>
-              <a:t>2021-06-16</a:t>
+              <a:t>2021-06-17</a:t>
             </a:fld>
             <a:endParaRPr lang="ko-KR" altLang="en-US"/>
           </a:p>
@@ -2817,7 +2817,7 @@
           <a:p>
             <a:fld id="{FB30EDBD-1C2D-4C1E-B459-B60219FAB484}" type="datetimeFigureOut">
               <a:rPr lang="ko-KR" altLang="en-US" smtClean="0"/>
-              <a:t>2021-06-16</a:t>
+              <a:t>2021-06-17</a:t>
             </a:fld>
             <a:endParaRPr lang="ko-KR" altLang="en-US"/>
           </a:p>
@@ -3023,7 +3023,7 @@
           <a:p>
             <a:fld id="{FB30EDBD-1C2D-4C1E-B459-B60219FAB484}" type="datetimeFigureOut">
               <a:rPr lang="ko-KR" altLang="en-US" smtClean="0"/>
-              <a:t>2021-06-16</a:t>
+              <a:t>2021-06-17</a:t>
             </a:fld>
             <a:endParaRPr lang="ko-KR" altLang="en-US"/>
           </a:p>
@@ -19882,6 +19882,465 @@
           </a:p>
         </p:txBody>
       </p:sp>
+      <p:cxnSp>
+        <p:nvCxnSpPr>
+          <p:cNvPr id="92" name="연결선: 구부러짐 91">
+            <a:extLst>
+              <a:ext uri="{FF2B5EF4-FFF2-40B4-BE49-F238E27FC236}">
+                <a16:creationId xmlns:a16="http://schemas.microsoft.com/office/drawing/2014/main" id="{B573668E-ACCC-45DB-9F48-FA9EF54B102E}"/>
+              </a:ext>
+            </a:extLst>
+          </p:cNvPr>
+          <p:cNvCxnSpPr>
+            <a:cxnSpLocks/>
+            <a:stCxn id="287" idx="0"/>
+            <a:endCxn id="97" idx="0"/>
+          </p:cNvCxnSpPr>
+          <p:nvPr/>
+        </p:nvCxnSpPr>
+        <p:spPr>
+          <a:xfrm rot="5400000" flipH="1" flipV="1">
+            <a:off x="7154092" y="-507502"/>
+            <a:ext cx="12700" cy="3052897"/>
+          </a:xfrm>
+          <a:prstGeom prst="curvedConnector3">
+            <a:avLst>
+              <a:gd name="adj1" fmla="val 1800000"/>
+            </a:avLst>
+          </a:prstGeom>
+          <a:ln w="19050">
+            <a:solidFill>
+              <a:srgbClr val="C00000"/>
+            </a:solidFill>
+            <a:headEnd type="none" w="med" len="med"/>
+            <a:tailEnd type="arrow" w="med" len="med"/>
+          </a:ln>
+        </p:spPr>
+        <p:style>
+          <a:lnRef idx="1">
+            <a:schemeClr val="accent1"/>
+          </a:lnRef>
+          <a:fillRef idx="0">
+            <a:schemeClr val="accent1"/>
+          </a:fillRef>
+          <a:effectRef idx="0">
+            <a:schemeClr val="accent1"/>
+          </a:effectRef>
+          <a:fontRef idx="minor">
+            <a:schemeClr val="tx1"/>
+          </a:fontRef>
+        </p:style>
+      </p:cxnSp>
+      <p:sp>
+        <p:nvSpPr>
+          <p:cNvPr id="97" name="사각형: 둥근 모서리 96">
+            <a:extLst>
+              <a:ext uri="{FF2B5EF4-FFF2-40B4-BE49-F238E27FC236}">
+                <a16:creationId xmlns:a16="http://schemas.microsoft.com/office/drawing/2014/main" id="{DC246935-D704-43C7-843C-B4D87C8AFDFB}"/>
+              </a:ext>
+            </a:extLst>
+          </p:cNvPr>
+          <p:cNvSpPr/>
+          <p:nvPr/>
+        </p:nvSpPr>
+        <p:spPr>
+          <a:xfrm>
+            <a:off x="8505946" y="1018946"/>
+            <a:ext cx="349190" cy="191921"/>
+          </a:xfrm>
+          <a:prstGeom prst="roundRect">
+            <a:avLst>
+              <a:gd name="adj" fmla="val 15249"/>
+            </a:avLst>
+          </a:prstGeom>
+          <a:noFill/>
+          <a:ln>
+            <a:noFill/>
+          </a:ln>
+        </p:spPr>
+        <p:style>
+          <a:lnRef idx="2">
+            <a:schemeClr val="dk1"/>
+          </a:lnRef>
+          <a:fillRef idx="1">
+            <a:schemeClr val="lt1"/>
+          </a:fillRef>
+          <a:effectRef idx="0">
+            <a:schemeClr val="dk1"/>
+          </a:effectRef>
+          <a:fontRef idx="minor">
+            <a:schemeClr val="dk1"/>
+          </a:fontRef>
+        </p:style>
+        <p:txBody>
+          <a:bodyPr rtlCol="0" anchor="ctr"/>
+          <a:lstStyle/>
+          <a:p>
+            <a:pPr algn="ctr"/>
+            <a:r>
+              <a:rPr lang="en-US" altLang="ko-KR" sz="1100"/>
+              <a:t>8</a:t>
+            </a:r>
+          </a:p>
+        </p:txBody>
+      </p:sp>
+      <p:sp>
+        <p:nvSpPr>
+          <p:cNvPr id="98" name="사각형: 둥근 모서리 97">
+            <a:extLst>
+              <a:ext uri="{FF2B5EF4-FFF2-40B4-BE49-F238E27FC236}">
+                <a16:creationId xmlns:a16="http://schemas.microsoft.com/office/drawing/2014/main" id="{932FFD35-2865-412E-BA34-B55B945D4A23}"/>
+              </a:ext>
+            </a:extLst>
+          </p:cNvPr>
+          <p:cNvSpPr/>
+          <p:nvPr/>
+        </p:nvSpPr>
+        <p:spPr>
+          <a:xfrm>
+            <a:off x="8505946" y="3394291"/>
+            <a:ext cx="349190" cy="191921"/>
+          </a:xfrm>
+          <a:prstGeom prst="roundRect">
+            <a:avLst>
+              <a:gd name="adj" fmla="val 15249"/>
+            </a:avLst>
+          </a:prstGeom>
+          <a:noFill/>
+          <a:ln>
+            <a:noFill/>
+          </a:ln>
+        </p:spPr>
+        <p:style>
+          <a:lnRef idx="2">
+            <a:schemeClr val="dk1"/>
+          </a:lnRef>
+          <a:fillRef idx="1">
+            <a:schemeClr val="lt1"/>
+          </a:fillRef>
+          <a:effectRef idx="0">
+            <a:schemeClr val="dk1"/>
+          </a:effectRef>
+          <a:fontRef idx="minor">
+            <a:schemeClr val="dk1"/>
+          </a:fontRef>
+        </p:style>
+        <p:txBody>
+          <a:bodyPr rtlCol="0" anchor="ctr"/>
+          <a:lstStyle/>
+          <a:p>
+            <a:pPr algn="ctr"/>
+            <a:r>
+              <a:rPr lang="en-US" altLang="ko-KR" sz="1100"/>
+              <a:t>8</a:t>
+            </a:r>
+          </a:p>
+        </p:txBody>
+      </p:sp>
+      <p:cxnSp>
+        <p:nvCxnSpPr>
+          <p:cNvPr id="100" name="연결선: 구부러짐 99">
+            <a:extLst>
+              <a:ext uri="{FF2B5EF4-FFF2-40B4-BE49-F238E27FC236}">
+                <a16:creationId xmlns:a16="http://schemas.microsoft.com/office/drawing/2014/main" id="{30B8114B-7997-4E26-8964-E0688C7B9F9C}"/>
+              </a:ext>
+            </a:extLst>
+          </p:cNvPr>
+          <p:cNvCxnSpPr>
+            <a:cxnSpLocks/>
+            <a:stCxn id="286" idx="0"/>
+            <a:endCxn id="97" idx="0"/>
+          </p:cNvCxnSpPr>
+          <p:nvPr/>
+        </p:nvCxnSpPr>
+        <p:spPr>
+          <a:xfrm rot="5400000" flipH="1" flipV="1">
+            <a:off x="6874875" y="-786719"/>
+            <a:ext cx="12700" cy="3611331"/>
+          </a:xfrm>
+          <a:prstGeom prst="curvedConnector3">
+            <a:avLst>
+              <a:gd name="adj1" fmla="val 1800000"/>
+            </a:avLst>
+          </a:prstGeom>
+          <a:ln w="19050">
+            <a:solidFill>
+              <a:schemeClr val="accent6">
+                <a:lumMod val="75000"/>
+              </a:schemeClr>
+            </a:solidFill>
+            <a:headEnd type="none" w="med" len="med"/>
+            <a:tailEnd type="arrow" w="med" len="med"/>
+          </a:ln>
+        </p:spPr>
+        <p:style>
+          <a:lnRef idx="1">
+            <a:schemeClr val="accent1"/>
+          </a:lnRef>
+          <a:fillRef idx="0">
+            <a:schemeClr val="accent1"/>
+          </a:fillRef>
+          <a:effectRef idx="0">
+            <a:schemeClr val="accent1"/>
+          </a:effectRef>
+          <a:fontRef idx="minor">
+            <a:schemeClr val="tx1"/>
+          </a:fontRef>
+        </p:style>
+      </p:cxnSp>
+      <p:cxnSp>
+        <p:nvCxnSpPr>
+          <p:cNvPr id="103" name="연결선: 구부러짐 102">
+            <a:extLst>
+              <a:ext uri="{FF2B5EF4-FFF2-40B4-BE49-F238E27FC236}">
+                <a16:creationId xmlns:a16="http://schemas.microsoft.com/office/drawing/2014/main" id="{E425EF39-8200-435A-B0A3-FA9CDF9CFD41}"/>
+              </a:ext>
+            </a:extLst>
+          </p:cNvPr>
+          <p:cNvCxnSpPr>
+            <a:cxnSpLocks/>
+            <a:stCxn id="365" idx="0"/>
+            <a:endCxn id="98" idx="0"/>
+          </p:cNvCxnSpPr>
+          <p:nvPr/>
+        </p:nvCxnSpPr>
+        <p:spPr>
+          <a:xfrm rot="16200000" flipH="1">
+            <a:off x="7422241" y="2135992"/>
+            <a:ext cx="6350" cy="2510249"/>
+          </a:xfrm>
+          <a:prstGeom prst="curvedConnector3">
+            <a:avLst>
+              <a:gd name="adj1" fmla="val -3600000"/>
+            </a:avLst>
+          </a:prstGeom>
+          <a:ln w="19050">
+            <a:solidFill>
+              <a:schemeClr val="accent3">
+                <a:lumMod val="75000"/>
+              </a:schemeClr>
+            </a:solidFill>
+            <a:headEnd type="none" w="med" len="med"/>
+            <a:tailEnd type="arrow" w="med" len="med"/>
+          </a:ln>
+        </p:spPr>
+        <p:style>
+          <a:lnRef idx="1">
+            <a:schemeClr val="accent1"/>
+          </a:lnRef>
+          <a:fillRef idx="0">
+            <a:schemeClr val="accent1"/>
+          </a:fillRef>
+          <a:effectRef idx="0">
+            <a:schemeClr val="accent1"/>
+          </a:effectRef>
+          <a:fontRef idx="minor">
+            <a:schemeClr val="tx1"/>
+          </a:fontRef>
+        </p:style>
+      </p:cxnSp>
+      <p:cxnSp>
+        <p:nvCxnSpPr>
+          <p:cNvPr id="109" name="연결선: 구부러짐 108">
+            <a:extLst>
+              <a:ext uri="{FF2B5EF4-FFF2-40B4-BE49-F238E27FC236}">
+                <a16:creationId xmlns:a16="http://schemas.microsoft.com/office/drawing/2014/main" id="{68FDB42C-221F-4424-A8E5-B7A3C581886C}"/>
+              </a:ext>
+            </a:extLst>
+          </p:cNvPr>
+          <p:cNvCxnSpPr>
+            <a:cxnSpLocks/>
+            <a:stCxn id="365" idx="0"/>
+            <a:endCxn id="114" idx="0"/>
+          </p:cNvCxnSpPr>
+          <p:nvPr/>
+        </p:nvCxnSpPr>
+        <p:spPr>
+          <a:xfrm rot="16200000" flipH="1">
+            <a:off x="7639335" y="1918898"/>
+            <a:ext cx="6350" cy="2944436"/>
+          </a:xfrm>
+          <a:prstGeom prst="curvedConnector3">
+            <a:avLst>
+              <a:gd name="adj1" fmla="val -3600000"/>
+            </a:avLst>
+          </a:prstGeom>
+          <a:ln w="19050">
+            <a:solidFill>
+              <a:schemeClr val="tx2"/>
+            </a:solidFill>
+            <a:headEnd type="none" w="med" len="med"/>
+            <a:tailEnd type="arrow" w="med" len="med"/>
+          </a:ln>
+        </p:spPr>
+        <p:style>
+          <a:lnRef idx="1">
+            <a:schemeClr val="accent1"/>
+          </a:lnRef>
+          <a:fillRef idx="0">
+            <a:schemeClr val="accent1"/>
+          </a:fillRef>
+          <a:effectRef idx="0">
+            <a:schemeClr val="accent1"/>
+          </a:effectRef>
+          <a:fontRef idx="minor">
+            <a:schemeClr val="tx1"/>
+          </a:fontRef>
+        </p:style>
+      </p:cxnSp>
+      <p:sp>
+        <p:nvSpPr>
+          <p:cNvPr id="114" name="사각형: 둥근 모서리 113">
+            <a:extLst>
+              <a:ext uri="{FF2B5EF4-FFF2-40B4-BE49-F238E27FC236}">
+                <a16:creationId xmlns:a16="http://schemas.microsoft.com/office/drawing/2014/main" id="{CB8E100B-3F6D-4AD0-934A-B81C753166EA}"/>
+              </a:ext>
+            </a:extLst>
+          </p:cNvPr>
+          <p:cNvSpPr/>
+          <p:nvPr/>
+        </p:nvSpPr>
+        <p:spPr>
+          <a:xfrm>
+            <a:off x="8940133" y="3394291"/>
+            <a:ext cx="349190" cy="191921"/>
+          </a:xfrm>
+          <a:prstGeom prst="roundRect">
+            <a:avLst>
+              <a:gd name="adj" fmla="val 15249"/>
+            </a:avLst>
+          </a:prstGeom>
+          <a:noFill/>
+          <a:ln>
+            <a:noFill/>
+          </a:ln>
+        </p:spPr>
+        <p:style>
+          <a:lnRef idx="2">
+            <a:schemeClr val="dk1"/>
+          </a:lnRef>
+          <a:fillRef idx="1">
+            <a:schemeClr val="lt1"/>
+          </a:fillRef>
+          <a:effectRef idx="0">
+            <a:schemeClr val="dk1"/>
+          </a:effectRef>
+          <a:fontRef idx="minor">
+            <a:schemeClr val="dk1"/>
+          </a:fontRef>
+        </p:style>
+        <p:txBody>
+          <a:bodyPr rtlCol="0" anchor="ctr"/>
+          <a:lstStyle/>
+          <a:p>
+            <a:pPr algn="ctr"/>
+            <a:r>
+              <a:rPr lang="en-US" altLang="ko-KR" sz="1100"/>
+              <a:t>8</a:t>
+            </a:r>
+          </a:p>
+        </p:txBody>
+      </p:sp>
+      <p:cxnSp>
+        <p:nvCxnSpPr>
+          <p:cNvPr id="116" name="연결선: 구부러짐 115">
+            <a:extLst>
+              <a:ext uri="{FF2B5EF4-FFF2-40B4-BE49-F238E27FC236}">
+                <a16:creationId xmlns:a16="http://schemas.microsoft.com/office/drawing/2014/main" id="{76450541-D873-4E80-98D4-9DA4CF3C741A}"/>
+              </a:ext>
+            </a:extLst>
+          </p:cNvPr>
+          <p:cNvCxnSpPr>
+            <a:cxnSpLocks/>
+            <a:stCxn id="364" idx="0"/>
+            <a:endCxn id="114" idx="0"/>
+          </p:cNvCxnSpPr>
+          <p:nvPr/>
+        </p:nvCxnSpPr>
+        <p:spPr>
+          <a:xfrm rot="16200000" flipH="1">
+            <a:off x="7368011" y="1647574"/>
+            <a:ext cx="6350" cy="3487084"/>
+          </a:xfrm>
+          <a:prstGeom prst="curvedConnector3">
+            <a:avLst>
+              <a:gd name="adj1" fmla="val -3600000"/>
+            </a:avLst>
+          </a:prstGeom>
+          <a:ln w="19050">
+            <a:solidFill>
+              <a:srgbClr val="C00000"/>
+            </a:solidFill>
+            <a:headEnd type="none" w="med" len="med"/>
+            <a:tailEnd type="arrow" w="med" len="med"/>
+          </a:ln>
+        </p:spPr>
+        <p:style>
+          <a:lnRef idx="1">
+            <a:schemeClr val="accent1"/>
+          </a:lnRef>
+          <a:fillRef idx="0">
+            <a:schemeClr val="accent1"/>
+          </a:fillRef>
+          <a:effectRef idx="0">
+            <a:schemeClr val="accent1"/>
+          </a:effectRef>
+          <a:fontRef idx="minor">
+            <a:schemeClr val="tx1"/>
+          </a:fontRef>
+        </p:style>
+      </p:cxnSp>
+      <p:cxnSp>
+        <p:nvCxnSpPr>
+          <p:cNvPr id="119" name="연결선: 구부러짐 118">
+            <a:extLst>
+              <a:ext uri="{FF2B5EF4-FFF2-40B4-BE49-F238E27FC236}">
+                <a16:creationId xmlns:a16="http://schemas.microsoft.com/office/drawing/2014/main" id="{40255BDE-7588-4E37-8316-77AE5D09D689}"/>
+              </a:ext>
+            </a:extLst>
+          </p:cNvPr>
+          <p:cNvCxnSpPr>
+            <a:cxnSpLocks/>
+            <a:stCxn id="363" idx="0"/>
+            <a:endCxn id="98" idx="0"/>
+          </p:cNvCxnSpPr>
+          <p:nvPr/>
+        </p:nvCxnSpPr>
+        <p:spPr>
+          <a:xfrm rot="16200000" flipH="1">
+            <a:off x="6871700" y="1585451"/>
+            <a:ext cx="6350" cy="3611331"/>
+          </a:xfrm>
+          <a:prstGeom prst="curvedConnector3">
+            <a:avLst>
+              <a:gd name="adj1" fmla="val -3600000"/>
+            </a:avLst>
+          </a:prstGeom>
+          <a:ln w="19050">
+            <a:solidFill>
+              <a:schemeClr val="accent6">
+                <a:lumMod val="75000"/>
+              </a:schemeClr>
+            </a:solidFill>
+            <a:headEnd type="none" w="med" len="med"/>
+            <a:tailEnd type="arrow" w="med" len="med"/>
+          </a:ln>
+        </p:spPr>
+        <p:style>
+          <a:lnRef idx="1">
+            <a:schemeClr val="accent1"/>
+          </a:lnRef>
+          <a:fillRef idx="0">
+            <a:schemeClr val="accent1"/>
+          </a:fillRef>
+          <a:effectRef idx="0">
+            <a:schemeClr val="accent1"/>
+          </a:effectRef>
+          <a:fontRef idx="minor">
+            <a:schemeClr val="tx1"/>
+          </a:fontRef>
+        </p:style>
+      </p:cxnSp>
     </p:spTree>
     <p:extLst>
       <p:ext uri="{BB962C8B-B14F-4D97-AF65-F5344CB8AC3E}">
